--- a/chapters/background/figures/remote_attestation.pptx
+++ b/chapters/background/figures/remote_attestation.pptx
@@ -104,6 +104,11 @@
       </a:defRPr>
     </a:lvl9pPr>
   </p:defaultTextStyle>
+  <p:extLst>
+    <p:ext uri="{EFAFB233-063F-42B5-8137-9DF3F51BA10A}">
+      <p15:sldGuideLst xmlns:p15="http://schemas.microsoft.com/office/powerpoint/2012/main"/>
+    </p:ext>
+  </p:extLst>
 </p:presentation>
 </file>
 
@@ -3731,136 +3736,6 @@
       </p:sp>
       <p:sp>
         <p:nvSpPr>
-          <p:cNvPr id="12" name="Rectangle: Rounded Corners 11">
-            <a:extLst>
-              <a:ext uri="{FF2B5EF4-FFF2-40B4-BE49-F238E27FC236}">
-                <a16:creationId xmlns:a16="http://schemas.microsoft.com/office/drawing/2014/main" id="{D1A71F65-89EE-49A5-822C-533A65462DEC}"/>
-              </a:ext>
-            </a:extLst>
-          </p:cNvPr>
-          <p:cNvSpPr/>
-          <p:nvPr/>
-        </p:nvSpPr>
-        <p:spPr>
-          <a:xfrm>
-            <a:off x="6111247" y="162718"/>
-            <a:ext cx="1870268" cy="1162813"/>
-          </a:xfrm>
-          <a:prstGeom prst="roundRect">
-            <a:avLst>
-              <a:gd name="adj" fmla="val 11806"/>
-            </a:avLst>
-          </a:prstGeom>
-          <a:solidFill>
-            <a:schemeClr val="bg1">
-              <a:lumMod val="95000"/>
-            </a:schemeClr>
-          </a:solidFill>
-          <a:ln w="19050">
-            <a:solidFill>
-              <a:schemeClr val="tx1"/>
-            </a:solidFill>
-          </a:ln>
-        </p:spPr>
-        <p:style>
-          <a:lnRef idx="2">
-            <a:schemeClr val="accent1">
-              <a:shade val="50000"/>
-            </a:schemeClr>
-          </a:lnRef>
-          <a:fillRef idx="1">
-            <a:schemeClr val="accent1"/>
-          </a:fillRef>
-          <a:effectRef idx="0">
-            <a:schemeClr val="accent1"/>
-          </a:effectRef>
-          <a:fontRef idx="minor">
-            <a:schemeClr val="lt1"/>
-          </a:fontRef>
-        </p:style>
-        <p:txBody>
-          <a:bodyPr rtlCol="0" anchor="ctr"/>
-          <a:lstStyle/>
-          <a:p>
-            <a:pPr algn="ctr"/>
-            <a:r>
-              <a:rPr lang="en-US" dirty="0">
-                <a:solidFill>
-                  <a:schemeClr val="tx1"/>
-                </a:solidFill>
-              </a:rPr>
-              <a:t>Challenger</a:t>
-            </a:r>
-          </a:p>
-        </p:txBody>
-      </p:sp>
-      <p:sp>
-        <p:nvSpPr>
-          <p:cNvPr id="13" name="Rectangle: Rounded Corners 12">
-            <a:extLst>
-              <a:ext uri="{FF2B5EF4-FFF2-40B4-BE49-F238E27FC236}">
-                <a16:creationId xmlns:a16="http://schemas.microsoft.com/office/drawing/2014/main" id="{229AEB81-012E-473B-A3B7-443182F5B29D}"/>
-              </a:ext>
-            </a:extLst>
-          </p:cNvPr>
-          <p:cNvSpPr/>
-          <p:nvPr/>
-        </p:nvSpPr>
-        <p:spPr>
-          <a:xfrm>
-            <a:off x="6111247" y="2137724"/>
-            <a:ext cx="1870268" cy="1186726"/>
-          </a:xfrm>
-          <a:prstGeom prst="roundRect">
-            <a:avLst>
-              <a:gd name="adj" fmla="val 11806"/>
-            </a:avLst>
-          </a:prstGeom>
-          <a:solidFill>
-            <a:schemeClr val="bg1">
-              <a:lumMod val="95000"/>
-            </a:schemeClr>
-          </a:solidFill>
-          <a:ln w="19050">
-            <a:solidFill>
-              <a:schemeClr val="tx1"/>
-            </a:solidFill>
-          </a:ln>
-        </p:spPr>
-        <p:style>
-          <a:lnRef idx="2">
-            <a:schemeClr val="accent1">
-              <a:shade val="50000"/>
-            </a:schemeClr>
-          </a:lnRef>
-          <a:fillRef idx="1">
-            <a:schemeClr val="accent1"/>
-          </a:fillRef>
-          <a:effectRef idx="0">
-            <a:schemeClr val="accent1"/>
-          </a:effectRef>
-          <a:fontRef idx="minor">
-            <a:schemeClr val="lt1"/>
-          </a:fontRef>
-        </p:style>
-        <p:txBody>
-          <a:bodyPr rtlCol="0" anchor="ctr"/>
-          <a:lstStyle/>
-          <a:p>
-            <a:pPr algn="ctr"/>
-            <a:r>
-              <a:rPr lang="en-US" dirty="0">
-                <a:solidFill>
-                  <a:schemeClr val="tx1"/>
-                </a:solidFill>
-              </a:rPr>
-              <a:t>Intel Attestation Server</a:t>
-            </a:r>
-          </a:p>
-        </p:txBody>
-      </p:sp>
-      <p:sp>
-        <p:nvSpPr>
           <p:cNvPr id="14" name="Rectangle 13">
             <a:extLst>
               <a:ext uri="{FF2B5EF4-FFF2-40B4-BE49-F238E27FC236}">
@@ -4173,14 +4048,12 @@
           </p:cNvPr>
           <p:cNvCxnSpPr>
             <a:cxnSpLocks/>
-            <a:stCxn id="13" idx="0"/>
-            <a:endCxn id="12" idx="2"/>
           </p:cNvCxnSpPr>
           <p:nvPr/>
         </p:nvCxnSpPr>
         <p:spPr>
           <a:xfrm flipV="1">
-            <a:off x="7046381" y="1325531"/>
+            <a:off x="6599820" y="1212122"/>
             <a:ext cx="0" cy="812193"/>
           </a:xfrm>
           <a:prstGeom prst="straightConnector1">
@@ -4511,7 +4384,7 @@
         </p:nvSpPr>
         <p:spPr>
           <a:xfrm>
-            <a:off x="6945368" y="1607842"/>
+            <a:off x="6498807" y="1494433"/>
             <a:ext cx="202025" cy="211031"/>
           </a:xfrm>
           <a:prstGeom prst="ellipse">
@@ -4541,6 +4414,147 @@
             <a:r>
               <a:rPr lang="en-US" dirty="0"/>
               <a:t>7</a:t>
+            </a:r>
+          </a:p>
+        </p:txBody>
+      </p:sp>
+      <p:pic>
+        <p:nvPicPr>
+          <p:cNvPr id="28" name="Picture 27">
+            <a:extLst>
+              <a:ext uri="{FF2B5EF4-FFF2-40B4-BE49-F238E27FC236}">
+                <a16:creationId xmlns:a16="http://schemas.microsoft.com/office/drawing/2014/main" id="{9543CA28-661D-424C-9D7B-4E1469AE9A66}"/>
+              </a:ext>
+            </a:extLst>
+          </p:cNvPr>
+          <p:cNvPicPr>
+            <a:picLocks noChangeAspect="1"/>
+          </p:cNvPicPr>
+          <p:nvPr/>
+        </p:nvPicPr>
+        <p:blipFill>
+          <a:blip r:embed="rId3" cstate="print">
+            <a:extLst>
+              <a:ext uri="{28A0092B-C50C-407E-A947-70E740481C1C}">
+                <a14:useLocalDpi xmlns:a14="http://schemas.microsoft.com/office/drawing/2010/main" val="0"/>
+              </a:ext>
+            </a:extLst>
+          </a:blip>
+          <a:stretch>
+            <a:fillRect/>
+          </a:stretch>
+        </p:blipFill>
+        <p:spPr>
+          <a:xfrm>
+            <a:off x="6129975" y="7824"/>
+            <a:ext cx="911337" cy="911337"/>
+          </a:xfrm>
+          <a:prstGeom prst="rect">
+            <a:avLst/>
+          </a:prstGeom>
+        </p:spPr>
+      </p:pic>
+      <p:sp>
+        <p:nvSpPr>
+          <p:cNvPr id="2" name="Rectangle 1">
+            <a:extLst>
+              <a:ext uri="{FF2B5EF4-FFF2-40B4-BE49-F238E27FC236}">
+                <a16:creationId xmlns:a16="http://schemas.microsoft.com/office/drawing/2014/main" id="{0216A208-2E99-4DFD-9CE4-F1E21073274F}"/>
+              </a:ext>
+            </a:extLst>
+          </p:cNvPr>
+          <p:cNvSpPr/>
+          <p:nvPr/>
+        </p:nvSpPr>
+        <p:spPr>
+          <a:xfrm>
+            <a:off x="5780106" y="886097"/>
+            <a:ext cx="1639423" cy="369332"/>
+          </a:xfrm>
+          <a:prstGeom prst="rect">
+            <a:avLst/>
+          </a:prstGeom>
+        </p:spPr>
+        <p:txBody>
+          <a:bodyPr wrap="none">
+            <a:spAutoFit/>
+          </a:bodyPr>
+          <a:lstStyle/>
+          <a:p>
+            <a:r>
+              <a:rPr lang="en-US" dirty="0"/>
+              <a:t>Remote verifier</a:t>
+            </a:r>
+          </a:p>
+        </p:txBody>
+      </p:sp>
+      <p:pic>
+        <p:nvPicPr>
+          <p:cNvPr id="29" name="Picture 28">
+            <a:extLst>
+              <a:ext uri="{FF2B5EF4-FFF2-40B4-BE49-F238E27FC236}">
+                <a16:creationId xmlns:a16="http://schemas.microsoft.com/office/drawing/2014/main" id="{0AF26DC9-8483-40A2-928A-1472191A9564}"/>
+              </a:ext>
+            </a:extLst>
+          </p:cNvPr>
+          <p:cNvPicPr>
+            <a:picLocks noChangeAspect="1"/>
+          </p:cNvPicPr>
+          <p:nvPr/>
+        </p:nvPicPr>
+        <p:blipFill>
+          <a:blip r:embed="rId4" cstate="print">
+            <a:extLst>
+              <a:ext uri="{28A0092B-C50C-407E-A947-70E740481C1C}">
+                <a14:useLocalDpi xmlns:a14="http://schemas.microsoft.com/office/drawing/2010/main" val="0"/>
+              </a:ext>
+            </a:extLst>
+          </a:blip>
+          <a:stretch>
+            <a:fillRect/>
+          </a:stretch>
+        </p:blipFill>
+        <p:spPr>
+          <a:xfrm>
+            <a:off x="6221508" y="2028037"/>
+            <a:ext cx="756617" cy="756617"/>
+          </a:xfrm>
+          <a:prstGeom prst="rect">
+            <a:avLst/>
+          </a:prstGeom>
+        </p:spPr>
+      </p:pic>
+      <p:sp>
+        <p:nvSpPr>
+          <p:cNvPr id="31" name="Rectangle 30">
+            <a:extLst>
+              <a:ext uri="{FF2B5EF4-FFF2-40B4-BE49-F238E27FC236}">
+                <a16:creationId xmlns:a16="http://schemas.microsoft.com/office/drawing/2014/main" id="{619321DD-18D5-4385-8C6B-D4F012CDC90B}"/>
+              </a:ext>
+            </a:extLst>
+          </p:cNvPr>
+          <p:cNvSpPr/>
+          <p:nvPr/>
+        </p:nvSpPr>
+        <p:spPr>
+          <a:xfrm>
+            <a:off x="5634536" y="2720647"/>
+            <a:ext cx="1895332" cy="646331"/>
+          </a:xfrm>
+          <a:prstGeom prst="rect">
+            <a:avLst/>
+          </a:prstGeom>
+        </p:spPr>
+        <p:txBody>
+          <a:bodyPr wrap="square">
+            <a:spAutoFit/>
+          </a:bodyPr>
+          <a:lstStyle/>
+          <a:p>
+            <a:pPr algn="ctr"/>
+            <a:r>
+              <a:rPr lang="en-US" dirty="0"/>
+              <a:t>Intel Attestation Server</a:t>
             </a:r>
           </a:p>
         </p:txBody>
